--- a/level 22/homework/ადამიანის უფლებათა საყოველთაო  დეკლარაცია.pptx
+++ b/level 22/homework/ადამიანის უფლებათა საყოველთაო  დეკლარაცია.pptx
@@ -266,7 +266,7 @@
           <a:p>
             <a:fld id="{0D17EE54-7C29-4998-8318-C4621087D0F9}" type="datetimeFigureOut">
               <a:rPr lang="en-US" smtClean="0"/>
-              <a:t>1/5/2025</a:t>
+              <a:t>2/11/2025</a:t>
             </a:fld>
             <a:endParaRPr lang="en-US"/>
           </a:p>
@@ -464,7 +464,7 @@
           <a:p>
             <a:fld id="{0D17EE54-7C29-4998-8318-C4621087D0F9}" type="datetimeFigureOut">
               <a:rPr lang="en-US" smtClean="0"/>
-              <a:t>1/5/2025</a:t>
+              <a:t>2/11/2025</a:t>
             </a:fld>
             <a:endParaRPr lang="en-US"/>
           </a:p>
@@ -672,7 +672,7 @@
           <a:p>
             <a:fld id="{0D17EE54-7C29-4998-8318-C4621087D0F9}" type="datetimeFigureOut">
               <a:rPr lang="en-US" smtClean="0"/>
-              <a:t>1/5/2025</a:t>
+              <a:t>2/11/2025</a:t>
             </a:fld>
             <a:endParaRPr lang="en-US"/>
           </a:p>
@@ -870,7 +870,7 @@
           <a:p>
             <a:fld id="{0D17EE54-7C29-4998-8318-C4621087D0F9}" type="datetimeFigureOut">
               <a:rPr lang="en-US" smtClean="0"/>
-              <a:t>1/5/2025</a:t>
+              <a:t>2/11/2025</a:t>
             </a:fld>
             <a:endParaRPr lang="en-US"/>
           </a:p>
@@ -1145,7 +1145,7 @@
           <a:p>
             <a:fld id="{0D17EE54-7C29-4998-8318-C4621087D0F9}" type="datetimeFigureOut">
               <a:rPr lang="en-US" smtClean="0"/>
-              <a:t>1/5/2025</a:t>
+              <a:t>2/11/2025</a:t>
             </a:fld>
             <a:endParaRPr lang="en-US"/>
           </a:p>
@@ -1410,7 +1410,7 @@
           <a:p>
             <a:fld id="{0D17EE54-7C29-4998-8318-C4621087D0F9}" type="datetimeFigureOut">
               <a:rPr lang="en-US" smtClean="0"/>
-              <a:t>1/5/2025</a:t>
+              <a:t>2/11/2025</a:t>
             </a:fld>
             <a:endParaRPr lang="en-US"/>
           </a:p>
@@ -1822,7 +1822,7 @@
           <a:p>
             <a:fld id="{0D17EE54-7C29-4998-8318-C4621087D0F9}" type="datetimeFigureOut">
               <a:rPr lang="en-US" smtClean="0"/>
-              <a:t>1/5/2025</a:t>
+              <a:t>2/11/2025</a:t>
             </a:fld>
             <a:endParaRPr lang="en-US"/>
           </a:p>
@@ -1963,7 +1963,7 @@
           <a:p>
             <a:fld id="{0D17EE54-7C29-4998-8318-C4621087D0F9}" type="datetimeFigureOut">
               <a:rPr lang="en-US" smtClean="0"/>
-              <a:t>1/5/2025</a:t>
+              <a:t>2/11/2025</a:t>
             </a:fld>
             <a:endParaRPr lang="en-US"/>
           </a:p>
@@ -2076,7 +2076,7 @@
           <a:p>
             <a:fld id="{0D17EE54-7C29-4998-8318-C4621087D0F9}" type="datetimeFigureOut">
               <a:rPr lang="en-US" smtClean="0"/>
-              <a:t>1/5/2025</a:t>
+              <a:t>2/11/2025</a:t>
             </a:fld>
             <a:endParaRPr lang="en-US"/>
           </a:p>
@@ -2387,7 +2387,7 @@
           <a:p>
             <a:fld id="{0D17EE54-7C29-4998-8318-C4621087D0F9}" type="datetimeFigureOut">
               <a:rPr lang="en-US" smtClean="0"/>
-              <a:t>1/5/2025</a:t>
+              <a:t>2/11/2025</a:t>
             </a:fld>
             <a:endParaRPr lang="en-US"/>
           </a:p>
@@ -2675,7 +2675,7 @@
           <a:p>
             <a:fld id="{0D17EE54-7C29-4998-8318-C4621087D0F9}" type="datetimeFigureOut">
               <a:rPr lang="en-US" smtClean="0"/>
-              <a:t>1/5/2025</a:t>
+              <a:t>2/11/2025</a:t>
             </a:fld>
             <a:endParaRPr lang="en-US"/>
           </a:p>
@@ -2916,7 +2916,7 @@
           <a:p>
             <a:fld id="{0D17EE54-7C29-4998-8318-C4621087D0F9}" type="datetimeFigureOut">
               <a:rPr lang="en-US" smtClean="0"/>
-              <a:t>1/5/2025</a:t>
+              <a:t>2/11/2025</a:t>
             </a:fld>
             <a:endParaRPr lang="en-US"/>
           </a:p>
@@ -3996,7 +3996,7 @@
         </p:blipFill>
         <p:spPr>
           <a:xfrm>
-            <a:off x="1037134" y="3612354"/>
+            <a:off x="903787" y="3612351"/>
             <a:ext cx="3663413" cy="2283184"/>
           </a:xfrm>
           <a:prstGeom prst="rect">
@@ -4090,7 +4090,7 @@
         </p:nvSpPr>
         <p:spPr>
           <a:xfrm>
-            <a:off x="1937147" y="539749"/>
+            <a:off x="1937147" y="509953"/>
             <a:ext cx="1863386" cy="1873188"/>
           </a:xfrm>
           <a:prstGeom prst="noSmoking">
@@ -4183,7 +4183,7 @@
         </p:blipFill>
         <p:spPr>
           <a:xfrm>
-            <a:off x="1937147" y="3812031"/>
+            <a:off x="1796629" y="3812030"/>
             <a:ext cx="1877731" cy="1883827"/>
           </a:xfrm>
           <a:prstGeom prst="rect">
@@ -4914,6 +4914,21 @@
 </file>
 
 <file path=customXml/item1.xml><?xml version="1.0" encoding="utf-8"?>
+<p:properties xmlns:p="http://schemas.microsoft.com/office/2006/metadata/properties" xmlns:xsi="http://www.w3.org/2001/XMLSchema-instance" xmlns:pc="http://schemas.microsoft.com/office/infopath/2007/PartnerControls">
+  <documentManagement/>
+</p:properties>
+</file>
+
+<file path=customXml/item2.xml><?xml version="1.0" encoding="utf-8"?>
+<?mso-contentType ?>
+<FormTemplates xmlns="http://schemas.microsoft.com/sharepoint/v3/contenttype/forms">
+  <Display>DocumentLibraryForm</Display>
+  <Edit>DocumentLibraryForm</Edit>
+  <New>DocumentLibraryForm</New>
+</FormTemplates>
+</file>
+
+<file path=customXml/item3.xml><?xml version="1.0" encoding="utf-8"?>
 <ct:contentTypeSchema xmlns:ct="http://schemas.microsoft.com/office/2006/metadata/contentType" xmlns:ma="http://schemas.microsoft.com/office/2006/metadata/properties/metaAttributes" ct:_="" ma:_="" ma:contentTypeName="Document" ma:contentTypeID="0x010100399188DFC990AE47BC4F9709CF9E0D62" ma:contentTypeVersion="12" ma:contentTypeDescription="Create a new document." ma:contentTypeScope="" ma:versionID="d55559888aa2bdde220ac98aec5b1333">
   <xsd:schema xmlns:xsd="http://www.w3.org/2001/XMLSchema" xmlns:xs="http://www.w3.org/2001/XMLSchema" xmlns:p="http://schemas.microsoft.com/office/2006/metadata/properties" xmlns:ns3="9bd9d203-630b-4b9e-b1a7-e54e0539d579" xmlns:ns4="4482f097-18c1-4ce3-b9a0-019003f7ab65" targetNamespace="http://schemas.microsoft.com/office/2006/metadata/properties" ma:root="true" ma:fieldsID="035d161e4a755a0484f32f6ec580babe" ns3:_="" ns4:_="">
     <xsd:import namespace="9bd9d203-630b-4b9e-b1a7-e54e0539d579"/>
@@ -5126,22 +5141,32 @@
 </ct:contentTypeSchema>
 </file>
 
-<file path=customXml/item2.xml><?xml version="1.0" encoding="utf-8"?>
-<?mso-contentType ?>
-<FormTemplates xmlns="http://schemas.microsoft.com/sharepoint/v3/contenttype/forms">
-  <Display>DocumentLibraryForm</Display>
-  <Edit>DocumentLibraryForm</Edit>
-  <New>DocumentLibraryForm</New>
-</FormTemplates>
+<file path=customXml/itemProps1.xml><?xml version="1.0" encoding="utf-8"?>
+<ds:datastoreItem xmlns:ds="http://schemas.openxmlformats.org/officeDocument/2006/customXml" ds:itemID="{C4B003A4-5E0F-4B01-A45B-7B9FFE16D790}">
+  <ds:schemaRefs>
+    <ds:schemaRef ds:uri="http://purl.org/dc/elements/1.1/"/>
+    <ds:schemaRef ds:uri="http://schemas.microsoft.com/office/2006/documentManagement/types"/>
+    <ds:schemaRef ds:uri="http://www.w3.org/XML/1998/namespace"/>
+    <ds:schemaRef ds:uri="http://schemas.microsoft.com/office/2006/metadata/properties"/>
+    <ds:schemaRef ds:uri="http://purl.org/dc/dcmitype/"/>
+    <ds:schemaRef ds:uri="http://schemas.microsoft.com/office/infopath/2007/PartnerControls"/>
+    <ds:schemaRef ds:uri="9bd9d203-630b-4b9e-b1a7-e54e0539d579"/>
+    <ds:schemaRef ds:uri="http://schemas.openxmlformats.org/package/2006/metadata/core-properties"/>
+    <ds:schemaRef ds:uri="4482f097-18c1-4ce3-b9a0-019003f7ab65"/>
+    <ds:schemaRef ds:uri="http://purl.org/dc/terms/"/>
+  </ds:schemaRefs>
+</ds:datastoreItem>
 </file>
 
-<file path=customXml/item3.xml><?xml version="1.0" encoding="utf-8"?>
-<p:properties xmlns:p="http://schemas.microsoft.com/office/2006/metadata/properties" xmlns:xsi="http://www.w3.org/2001/XMLSchema-instance" xmlns:pc="http://schemas.microsoft.com/office/infopath/2007/PartnerControls">
-  <documentManagement/>
-</p:properties>
+<file path=customXml/itemProps2.xml><?xml version="1.0" encoding="utf-8"?>
+<ds:datastoreItem xmlns:ds="http://schemas.openxmlformats.org/officeDocument/2006/customXml" ds:itemID="{C8A16C8E-E4EE-4070-8ABB-624CAC98A268}">
+  <ds:schemaRefs>
+    <ds:schemaRef ds:uri="http://schemas.microsoft.com/sharepoint/v3/contenttype/forms"/>
+  </ds:schemaRefs>
+</ds:datastoreItem>
 </file>
 
-<file path=customXml/itemProps1.xml><?xml version="1.0" encoding="utf-8"?>
+<file path=customXml/itemProps3.xml><?xml version="1.0" encoding="utf-8"?>
 <ds:datastoreItem xmlns:ds="http://schemas.openxmlformats.org/officeDocument/2006/customXml" ds:itemID="{541D6DD6-F2CA-4B7F-A5ED-1B1185118CBB}">
   <ds:schemaRefs>
     <ds:schemaRef ds:uri="http://schemas.microsoft.com/office/2006/metadata/contentType"/>
@@ -5158,29 +5183,4 @@
     <ds:schemaRef ds:uri="http://schemas.microsoft.com/internal/obd"/>
   </ds:schemaRefs>
 </ds:datastoreItem>
-</file>
-
-<file path=customXml/itemProps2.xml><?xml version="1.0" encoding="utf-8"?>
-<ds:datastoreItem xmlns:ds="http://schemas.openxmlformats.org/officeDocument/2006/customXml" ds:itemID="{C8A16C8E-E4EE-4070-8ABB-624CAC98A268}">
-  <ds:schemaRefs>
-    <ds:schemaRef ds:uri="http://schemas.microsoft.com/sharepoint/v3/contenttype/forms"/>
-  </ds:schemaRefs>
-</ds:datastoreItem>
-</file>
-
-<file path=customXml/itemProps3.xml><?xml version="1.0" encoding="utf-8"?>
-<ds:datastoreItem xmlns:ds="http://schemas.openxmlformats.org/officeDocument/2006/customXml" ds:itemID="{C4B003A4-5E0F-4B01-A45B-7B9FFE16D790}">
-  <ds:schemaRefs>
-    <ds:schemaRef ds:uri="http://purl.org/dc/elements/1.1/"/>
-    <ds:schemaRef ds:uri="http://schemas.microsoft.com/office/2006/documentManagement/types"/>
-    <ds:schemaRef ds:uri="http://www.w3.org/XML/1998/namespace"/>
-    <ds:schemaRef ds:uri="http://schemas.microsoft.com/office/2006/metadata/properties"/>
-    <ds:schemaRef ds:uri="http://purl.org/dc/dcmitype/"/>
-    <ds:schemaRef ds:uri="http://schemas.microsoft.com/office/infopath/2007/PartnerControls"/>
-    <ds:schemaRef ds:uri="9bd9d203-630b-4b9e-b1a7-e54e0539d579"/>
-    <ds:schemaRef ds:uri="http://schemas.openxmlformats.org/package/2006/metadata/core-properties"/>
-    <ds:schemaRef ds:uri="4482f097-18c1-4ce3-b9a0-019003f7ab65"/>
-    <ds:schemaRef ds:uri="http://purl.org/dc/terms/"/>
-  </ds:schemaRefs>
-</ds:datastoreItem>
 </file>